--- a/JRO_Bemutato.PPTX
+++ b/JRO_Bemutato.PPTX
@@ -8,6 +8,7 @@
     <p:sldId id="256" r:id="rId2"/>
     <p:sldId id="257" r:id="rId3"/>
     <p:sldId id="258" r:id="rId4"/>
+    <p:sldId id="259" r:id="rId5"/>
   </p:sldIdLst>
   <p:sldSz cx="12192000" cy="6858000"/>
   <p:notesSz cx="6858000" cy="9144000"/>
@@ -106,6 +107,11 @@
       </a:defRPr>
     </a:lvl9pPr>
   </p:defaultTextStyle>
+  <p:extLst>
+    <p:ext uri="{EFAFB233-063F-42B5-8137-9DF3F51BA10A}">
+      <p15:sldGuideLst xmlns:p15="http://schemas.microsoft.com/office/powerpoint/2012/main"/>
+    </p:ext>
+  </p:extLst>
 </p:presentation>
 </file>
 
@@ -256,7 +262,7 @@
           <a:p>
             <a:fld id="{5F8F22A8-375D-4A64-8337-E1E881236698}" type="datetimeFigureOut">
               <a:rPr lang="hu-HU" smtClean="0"/>
-              <a:t>2025. 01. 31.</a:t>
+              <a:t>2025.02.05</a:t>
             </a:fld>
             <a:endParaRPr lang="hu-HU"/>
           </a:p>
@@ -454,7 +460,7 @@
           <a:p>
             <a:fld id="{5F8F22A8-375D-4A64-8337-E1E881236698}" type="datetimeFigureOut">
               <a:rPr lang="hu-HU" smtClean="0"/>
-              <a:t>2025. 01. 31.</a:t>
+              <a:t>2025.02.05</a:t>
             </a:fld>
             <a:endParaRPr lang="hu-HU"/>
           </a:p>
@@ -662,7 +668,7 @@
           <a:p>
             <a:fld id="{5F8F22A8-375D-4A64-8337-E1E881236698}" type="datetimeFigureOut">
               <a:rPr lang="hu-HU" smtClean="0"/>
-              <a:t>2025. 01. 31.</a:t>
+              <a:t>2025.02.05</a:t>
             </a:fld>
             <a:endParaRPr lang="hu-HU"/>
           </a:p>
@@ -860,7 +866,7 @@
           <a:p>
             <a:fld id="{5F8F22A8-375D-4A64-8337-E1E881236698}" type="datetimeFigureOut">
               <a:rPr lang="hu-HU" smtClean="0"/>
-              <a:t>2025. 01. 31.</a:t>
+              <a:t>2025.02.05</a:t>
             </a:fld>
             <a:endParaRPr lang="hu-HU"/>
           </a:p>
@@ -1135,7 +1141,7 @@
           <a:p>
             <a:fld id="{5F8F22A8-375D-4A64-8337-E1E881236698}" type="datetimeFigureOut">
               <a:rPr lang="hu-HU" smtClean="0"/>
-              <a:t>2025. 01. 31.</a:t>
+              <a:t>2025.02.05</a:t>
             </a:fld>
             <a:endParaRPr lang="hu-HU"/>
           </a:p>
@@ -1400,7 +1406,7 @@
           <a:p>
             <a:fld id="{5F8F22A8-375D-4A64-8337-E1E881236698}" type="datetimeFigureOut">
               <a:rPr lang="hu-HU" smtClean="0"/>
-              <a:t>2025. 01. 31.</a:t>
+              <a:t>2025.02.05</a:t>
             </a:fld>
             <a:endParaRPr lang="hu-HU"/>
           </a:p>
@@ -1812,7 +1818,7 @@
           <a:p>
             <a:fld id="{5F8F22A8-375D-4A64-8337-E1E881236698}" type="datetimeFigureOut">
               <a:rPr lang="hu-HU" smtClean="0"/>
-              <a:t>2025. 01. 31.</a:t>
+              <a:t>2025.02.05</a:t>
             </a:fld>
             <a:endParaRPr lang="hu-HU"/>
           </a:p>
@@ -1953,7 +1959,7 @@
           <a:p>
             <a:fld id="{5F8F22A8-375D-4A64-8337-E1E881236698}" type="datetimeFigureOut">
               <a:rPr lang="hu-HU" smtClean="0"/>
-              <a:t>2025. 01. 31.</a:t>
+              <a:t>2025.02.05</a:t>
             </a:fld>
             <a:endParaRPr lang="hu-HU"/>
           </a:p>
@@ -2066,7 +2072,7 @@
           <a:p>
             <a:fld id="{5F8F22A8-375D-4A64-8337-E1E881236698}" type="datetimeFigureOut">
               <a:rPr lang="hu-HU" smtClean="0"/>
-              <a:t>2025. 01. 31.</a:t>
+              <a:t>2025.02.05</a:t>
             </a:fld>
             <a:endParaRPr lang="hu-HU"/>
           </a:p>
@@ -2377,7 +2383,7 @@
           <a:p>
             <a:fld id="{5F8F22A8-375D-4A64-8337-E1E881236698}" type="datetimeFigureOut">
               <a:rPr lang="hu-HU" smtClean="0"/>
-              <a:t>2025. 01. 31.</a:t>
+              <a:t>2025.02.05</a:t>
             </a:fld>
             <a:endParaRPr lang="hu-HU"/>
           </a:p>
@@ -2665,7 +2671,7 @@
           <a:p>
             <a:fld id="{5F8F22A8-375D-4A64-8337-E1E881236698}" type="datetimeFigureOut">
               <a:rPr lang="hu-HU" smtClean="0"/>
-              <a:t>2025. 01. 31.</a:t>
+              <a:t>2025.02.05</a:t>
             </a:fld>
             <a:endParaRPr lang="hu-HU"/>
           </a:p>
@@ -2906,7 +2912,7 @@
           <a:p>
             <a:fld id="{5F8F22A8-375D-4A64-8337-E1E881236698}" type="datetimeFigureOut">
               <a:rPr lang="hu-HU" smtClean="0"/>
-              <a:t>2025. 01. 31.</a:t>
+              <a:t>2025.02.05</a:t>
             </a:fld>
             <a:endParaRPr lang="hu-HU"/>
           </a:p>
@@ -3966,13 +3972,13 @@
   <p:clrMapOvr>
     <a:masterClrMapping/>
   </p:clrMapOvr>
-  <mc:AlternateContent xmlns:mc="http://schemas.openxmlformats.org/markup-compatibility/2006">
-    <mc:Choice xmlns:p159="http://schemas.microsoft.com/office/powerpoint/2015/09/main" Requires="p159">
+  <mc:AlternateContent xmlns:mc="http://schemas.openxmlformats.org/markup-compatibility/2006" xmlns:p159="http://schemas.microsoft.com/office/powerpoint/2015/09/main">
+    <mc:Choice Requires="p159">
       <p:transition xmlns:p14="http://schemas.microsoft.com/office/powerpoint/2010/main" spd="slow" p14:dur="2000">
         <p159:morph option="byObject"/>
       </p:transition>
     </mc:Choice>
-    <mc:Fallback>
+    <mc:Fallback xmlns="">
       <p:transition spd="slow">
         <p:fade/>
       </p:transition>
@@ -4353,6 +4359,195 @@
           </a:prstGeom>
         </p:spPr>
       </p:pic>
+      <p:pic>
+        <p:nvPicPr>
+          <p:cNvPr id="4" name="Kép 3">
+            <a:extLst>
+              <a:ext uri="{FF2B5EF4-FFF2-40B4-BE49-F238E27FC236}">
+                <a16:creationId xmlns:a16="http://schemas.microsoft.com/office/drawing/2014/main" id="{29321683-592A-4507-9BA0-D30E80A0B6F3}"/>
+              </a:ext>
+            </a:extLst>
+          </p:cNvPr>
+          <p:cNvPicPr>
+            <a:picLocks noChangeAspect="1"/>
+          </p:cNvPicPr>
+          <p:nvPr/>
+        </p:nvPicPr>
+        <p:blipFill>
+          <a:blip r:embed="rId4">
+            <a:extLst>
+              <a:ext uri="{28A0092B-C50C-407E-A947-70E740481C1C}">
+                <a14:useLocalDpi xmlns:a14="http://schemas.microsoft.com/office/drawing/2010/main" val="0"/>
+              </a:ext>
+            </a:extLst>
+          </a:blip>
+          <a:stretch>
+            <a:fillRect/>
+          </a:stretch>
+        </p:blipFill>
+        <p:spPr>
+          <a:xfrm>
+            <a:off x="2699887" y="1927271"/>
+            <a:ext cx="6792224" cy="4285958"/>
+          </a:xfrm>
+          <a:prstGeom prst="rect">
+            <a:avLst/>
+          </a:prstGeom>
+        </p:spPr>
+      </p:pic>
+      <p:sp>
+        <p:nvSpPr>
+          <p:cNvPr id="7" name="Cím 1">
+            <a:extLst>
+              <a:ext uri="{FF2B5EF4-FFF2-40B4-BE49-F238E27FC236}">
+                <a16:creationId xmlns:a16="http://schemas.microsoft.com/office/drawing/2014/main" id="{923351C9-448C-4917-B2A8-584AFFF6F60F}"/>
+              </a:ext>
+            </a:extLst>
+          </p:cNvPr>
+          <p:cNvSpPr txBox="1">
+            <a:spLocks/>
+          </p:cNvSpPr>
+          <p:nvPr/>
+        </p:nvSpPr>
+        <p:spPr>
+          <a:xfrm>
+            <a:off x="4055011" y="-1209823"/>
+            <a:ext cx="4081976" cy="987083"/>
+          </a:xfrm>
+          <a:prstGeom prst="rect">
+            <a:avLst/>
+          </a:prstGeom>
+        </p:spPr>
+        <p:style>
+          <a:lnRef idx="2">
+            <a:schemeClr val="dk1"/>
+          </a:lnRef>
+          <a:fillRef idx="1">
+            <a:schemeClr val="lt1"/>
+          </a:fillRef>
+          <a:effectRef idx="0">
+            <a:schemeClr val="dk1"/>
+          </a:effectRef>
+          <a:fontRef idx="minor">
+            <a:schemeClr val="dk1"/>
+          </a:fontRef>
+        </p:style>
+        <p:txBody>
+          <a:bodyPr vert="horz" lIns="91440" tIns="45720" rIns="91440" bIns="45720" rtlCol="0" anchor="b">
+            <a:normAutofit fontScale="97500"/>
+          </a:bodyPr>
+          <a:lstStyle>
+            <a:lvl1pPr algn="ctr" defTabSz="914400" rtl="0" eaLnBrk="1" latinLnBrk="0" hangingPunct="1">
+              <a:lnSpc>
+                <a:spcPct val="90000"/>
+              </a:lnSpc>
+              <a:spcBef>
+                <a:spcPct val="0"/>
+              </a:spcBef>
+              <a:buNone/>
+              <a:defRPr sz="6000" kern="1200">
+                <a:solidFill>
+                  <a:schemeClr val="dk1"/>
+                </a:solidFill>
+                <a:latin typeface="+mn-lt"/>
+                <a:ea typeface="+mn-ea"/>
+                <a:cs typeface="+mn-cs"/>
+              </a:defRPr>
+            </a:lvl1pPr>
+            <a:lvl2pPr>
+              <a:defRPr>
+                <a:solidFill>
+                  <a:schemeClr val="dk1"/>
+                </a:solidFill>
+                <a:latin typeface="+mn-lt"/>
+                <a:ea typeface="+mn-ea"/>
+                <a:cs typeface="+mn-cs"/>
+              </a:defRPr>
+            </a:lvl2pPr>
+            <a:lvl3pPr>
+              <a:defRPr>
+                <a:solidFill>
+                  <a:schemeClr val="dk1"/>
+                </a:solidFill>
+                <a:latin typeface="+mn-lt"/>
+                <a:ea typeface="+mn-ea"/>
+                <a:cs typeface="+mn-cs"/>
+              </a:defRPr>
+            </a:lvl3pPr>
+            <a:lvl4pPr>
+              <a:defRPr>
+                <a:solidFill>
+                  <a:schemeClr val="dk1"/>
+                </a:solidFill>
+                <a:latin typeface="+mn-lt"/>
+                <a:ea typeface="+mn-ea"/>
+                <a:cs typeface="+mn-cs"/>
+              </a:defRPr>
+            </a:lvl4pPr>
+            <a:lvl5pPr>
+              <a:defRPr>
+                <a:solidFill>
+                  <a:schemeClr val="dk1"/>
+                </a:solidFill>
+                <a:latin typeface="+mn-lt"/>
+                <a:ea typeface="+mn-ea"/>
+                <a:cs typeface="+mn-cs"/>
+              </a:defRPr>
+            </a:lvl5pPr>
+            <a:lvl6pPr>
+              <a:defRPr>
+                <a:solidFill>
+                  <a:schemeClr val="dk1"/>
+                </a:solidFill>
+                <a:latin typeface="+mn-lt"/>
+                <a:ea typeface="+mn-ea"/>
+                <a:cs typeface="+mn-cs"/>
+              </a:defRPr>
+            </a:lvl6pPr>
+            <a:lvl7pPr>
+              <a:defRPr>
+                <a:solidFill>
+                  <a:schemeClr val="dk1"/>
+                </a:solidFill>
+                <a:latin typeface="+mn-lt"/>
+                <a:ea typeface="+mn-ea"/>
+                <a:cs typeface="+mn-cs"/>
+              </a:defRPr>
+            </a:lvl7pPr>
+            <a:lvl8pPr>
+              <a:defRPr>
+                <a:solidFill>
+                  <a:schemeClr val="dk1"/>
+                </a:solidFill>
+                <a:latin typeface="+mn-lt"/>
+                <a:ea typeface="+mn-ea"/>
+                <a:cs typeface="+mn-cs"/>
+              </a:defRPr>
+            </a:lvl8pPr>
+            <a:lvl9pPr>
+              <a:defRPr>
+                <a:solidFill>
+                  <a:schemeClr val="dk1"/>
+                </a:solidFill>
+                <a:latin typeface="+mn-lt"/>
+                <a:ea typeface="+mn-ea"/>
+                <a:cs typeface="+mn-cs"/>
+              </a:defRPr>
+            </a:lvl9pPr>
+          </a:lstStyle>
+          <a:p>
+            <a:r>
+              <a:rPr lang="hu-HU" sz="6600" dirty="0">
+                <a:solidFill>
+                  <a:schemeClr val="tx1"/>
+                </a:solidFill>
+                <a:latin typeface="Bahnschrift SemiBold" panose="020B0502040204020203" pitchFamily="34" charset="0"/>
+              </a:rPr>
+              <a:t>Témák</a:t>
+            </a:r>
+          </a:p>
+        </p:txBody>
+      </p:sp>
     </p:spTree>
     <p:extLst>
       <p:ext uri="{BB962C8B-B14F-4D97-AF65-F5344CB8AC3E}">
@@ -4363,13 +4558,13 @@
   <p:clrMapOvr>
     <a:masterClrMapping/>
   </p:clrMapOvr>
-  <mc:AlternateContent xmlns:mc="http://schemas.openxmlformats.org/markup-compatibility/2006">
-    <mc:Choice xmlns:p159="http://schemas.microsoft.com/office/powerpoint/2015/09/main" Requires="p159">
+  <mc:AlternateContent xmlns:mc="http://schemas.openxmlformats.org/markup-compatibility/2006" xmlns:p159="http://schemas.microsoft.com/office/powerpoint/2015/09/main">
+    <mc:Choice Requires="p159">
       <p:transition xmlns:p14="http://schemas.microsoft.com/office/powerpoint/2010/main" spd="slow" p14:dur="2000">
         <p159:morph option="byObject"/>
       </p:transition>
     </mc:Choice>
-    <mc:Fallback>
+    <mc:Fallback xmlns="">
       <p:transition spd="slow">
         <p:fade/>
       </p:transition>
@@ -4471,6 +4666,630 @@
                                         </p:cTn>
                                         <p:tgtEl>
                                           <p:spTgt spid="8"/>
+                                        </p:tgtEl>
+                                        <p:attrNameLst>
+                                          <p:attrName>style.visibility</p:attrName>
+                                        </p:attrNameLst>
+                                      </p:cBhvr>
+                                      <p:to>
+                                        <p:strVal val="hidden"/>
+                                      </p:to>
+                                    </p:set>
+                                  </p:childTnLst>
+                                </p:cTn>
+                              </p:par>
+                            </p:childTnLst>
+                          </p:cTn>
+                        </p:par>
+                      </p:childTnLst>
+                    </p:cTn>
+                  </p:par>
+                  <p:par>
+                    <p:cTn id="13" fill="hold">
+                      <p:stCondLst>
+                        <p:cond delay="indefinite"/>
+                      </p:stCondLst>
+                      <p:childTnLst>
+                        <p:par>
+                          <p:cTn id="14" fill="hold">
+                            <p:stCondLst>
+                              <p:cond delay="0"/>
+                            </p:stCondLst>
+                            <p:childTnLst>
+                              <p:par>
+                                <p:cTn id="15" presetID="1" presetClass="entr" presetSubtype="0" fill="hold" nodeType="clickEffect">
+                                  <p:stCondLst>
+                                    <p:cond delay="0"/>
+                                  </p:stCondLst>
+                                  <p:childTnLst>
+                                    <p:set>
+                                      <p:cBhvr>
+                                        <p:cTn id="16" dur="1" fill="hold">
+                                          <p:stCondLst>
+                                            <p:cond delay="0"/>
+                                          </p:stCondLst>
+                                        </p:cTn>
+                                        <p:tgtEl>
+                                          <p:spTgt spid="4"/>
+                                        </p:tgtEl>
+                                        <p:attrNameLst>
+                                          <p:attrName>style.visibility</p:attrName>
+                                        </p:attrNameLst>
+                                      </p:cBhvr>
+                                      <p:to>
+                                        <p:strVal val="visible"/>
+                                      </p:to>
+                                    </p:set>
+                                  </p:childTnLst>
+                                </p:cTn>
+                              </p:par>
+                            </p:childTnLst>
+                          </p:cTn>
+                        </p:par>
+                      </p:childTnLst>
+                    </p:cTn>
+                  </p:par>
+                  <p:par>
+                    <p:cTn id="17" fill="hold">
+                      <p:stCondLst>
+                        <p:cond delay="indefinite"/>
+                      </p:stCondLst>
+                      <p:childTnLst>
+                        <p:par>
+                          <p:cTn id="18" fill="hold">
+                            <p:stCondLst>
+                              <p:cond delay="0"/>
+                            </p:stCondLst>
+                            <p:childTnLst>
+                              <p:par>
+                                <p:cTn id="19" presetID="10" presetClass="exit" presetSubtype="0" fill="hold" nodeType="clickEffect">
+                                  <p:stCondLst>
+                                    <p:cond delay="0"/>
+                                  </p:stCondLst>
+                                  <p:childTnLst>
+                                    <p:animEffect transition="out" filter="fade">
+                                      <p:cBhvr>
+                                        <p:cTn id="20" dur="500"/>
+                                        <p:tgtEl>
+                                          <p:spTgt spid="4"/>
+                                        </p:tgtEl>
+                                      </p:cBhvr>
+                                    </p:animEffect>
+                                    <p:set>
+                                      <p:cBhvr>
+                                        <p:cTn id="21" dur="1" fill="hold">
+                                          <p:stCondLst>
+                                            <p:cond delay="499"/>
+                                          </p:stCondLst>
+                                        </p:cTn>
+                                        <p:tgtEl>
+                                          <p:spTgt spid="4"/>
+                                        </p:tgtEl>
+                                        <p:attrNameLst>
+                                          <p:attrName>style.visibility</p:attrName>
+                                        </p:attrNameLst>
+                                      </p:cBhvr>
+                                      <p:to>
+                                        <p:strVal val="hidden"/>
+                                      </p:to>
+                                    </p:set>
+                                  </p:childTnLst>
+                                </p:cTn>
+                              </p:par>
+                            </p:childTnLst>
+                          </p:cTn>
+                        </p:par>
+                      </p:childTnLst>
+                    </p:cTn>
+                  </p:par>
+                </p:childTnLst>
+              </p:cTn>
+              <p:prevCondLst>
+                <p:cond evt="onPrev" delay="0">
+                  <p:tgtEl>
+                    <p:sldTgt/>
+                  </p:tgtEl>
+                </p:cond>
+              </p:prevCondLst>
+              <p:nextCondLst>
+                <p:cond evt="onNext" delay="0">
+                  <p:tgtEl>
+                    <p:sldTgt/>
+                  </p:tgtEl>
+                </p:cond>
+              </p:nextCondLst>
+            </p:seq>
+          </p:childTnLst>
+        </p:cTn>
+      </p:par>
+    </p:tnLst>
+  </p:timing>
+</p:sld>
+</file>
+
+<file path=ppt/slides/slide4.xml><?xml version="1.0" encoding="utf-8"?>
+<p:sld xmlns:a="http://schemas.openxmlformats.org/drawingml/2006/main" xmlns:r="http://schemas.openxmlformats.org/officeDocument/2006/relationships" xmlns:p="http://schemas.openxmlformats.org/presentationml/2006/main">
+  <p:cSld>
+    <p:bg>
+      <p:bgPr>
+        <a:blipFill dpi="0" rotWithShape="1">
+          <a:blip r:embed="rId2">
+            <a:lum/>
+          </a:blip>
+          <a:srcRect/>
+          <a:stretch>
+            <a:fillRect t="-17000" b="-17000"/>
+          </a:stretch>
+        </a:blipFill>
+        <a:effectLst/>
+      </p:bgPr>
+    </p:bg>
+    <p:spTree>
+      <p:nvGrpSpPr>
+        <p:cNvPr id="1" name="">
+          <a:extLst>
+            <a:ext uri="{FF2B5EF4-FFF2-40B4-BE49-F238E27FC236}">
+              <a16:creationId xmlns:a16="http://schemas.microsoft.com/office/drawing/2014/main" id="{E5E5C56A-BF7E-1359-4C41-2416931BADFC}"/>
+            </a:ext>
+          </a:extLst>
+        </p:cNvPr>
+        <p:cNvGrpSpPr/>
+        <p:nvPr/>
+      </p:nvGrpSpPr>
+      <p:grpSpPr>
+        <a:xfrm>
+          <a:off x="0" y="0"/>
+          <a:ext cx="0" cy="0"/>
+          <a:chOff x="0" y="0"/>
+          <a:chExt cx="0" cy="0"/>
+        </a:xfrm>
+      </p:grpSpPr>
+      <p:sp>
+        <p:nvSpPr>
+          <p:cNvPr id="3" name="Cím 1">
+            <a:extLst>
+              <a:ext uri="{FF2B5EF4-FFF2-40B4-BE49-F238E27FC236}">
+                <a16:creationId xmlns:a16="http://schemas.microsoft.com/office/drawing/2014/main" id="{A08F668E-29B5-16D8-DC3A-545F07C36BD8}"/>
+              </a:ext>
+            </a:extLst>
+          </p:cNvPr>
+          <p:cNvSpPr txBox="1">
+            <a:spLocks/>
+          </p:cNvSpPr>
+          <p:nvPr/>
+        </p:nvSpPr>
+        <p:spPr>
+          <a:xfrm>
+            <a:off x="4055012" y="597878"/>
+            <a:ext cx="4081976" cy="987083"/>
+          </a:xfrm>
+          <a:prstGeom prst="rect">
+            <a:avLst/>
+          </a:prstGeom>
+        </p:spPr>
+        <p:style>
+          <a:lnRef idx="2">
+            <a:schemeClr val="dk1"/>
+          </a:lnRef>
+          <a:fillRef idx="1">
+            <a:schemeClr val="lt1"/>
+          </a:fillRef>
+          <a:effectRef idx="0">
+            <a:schemeClr val="dk1"/>
+          </a:effectRef>
+          <a:fontRef idx="minor">
+            <a:schemeClr val="dk1"/>
+          </a:fontRef>
+        </p:style>
+        <p:txBody>
+          <a:bodyPr vert="horz" lIns="91440" tIns="45720" rIns="91440" bIns="45720" rtlCol="0" anchor="b">
+            <a:normAutofit fontScale="97500"/>
+          </a:bodyPr>
+          <a:lstStyle>
+            <a:lvl1pPr algn="ctr" defTabSz="914400" rtl="0" eaLnBrk="1" latinLnBrk="0" hangingPunct="1">
+              <a:lnSpc>
+                <a:spcPct val="90000"/>
+              </a:lnSpc>
+              <a:spcBef>
+                <a:spcPct val="0"/>
+              </a:spcBef>
+              <a:buNone/>
+              <a:defRPr sz="6000" kern="1200">
+                <a:solidFill>
+                  <a:schemeClr val="dk1"/>
+                </a:solidFill>
+                <a:latin typeface="+mn-lt"/>
+                <a:ea typeface="+mn-ea"/>
+                <a:cs typeface="+mn-cs"/>
+              </a:defRPr>
+            </a:lvl1pPr>
+            <a:lvl2pPr>
+              <a:defRPr>
+                <a:solidFill>
+                  <a:schemeClr val="dk1"/>
+                </a:solidFill>
+                <a:latin typeface="+mn-lt"/>
+                <a:ea typeface="+mn-ea"/>
+                <a:cs typeface="+mn-cs"/>
+              </a:defRPr>
+            </a:lvl2pPr>
+            <a:lvl3pPr>
+              <a:defRPr>
+                <a:solidFill>
+                  <a:schemeClr val="dk1"/>
+                </a:solidFill>
+                <a:latin typeface="+mn-lt"/>
+                <a:ea typeface="+mn-ea"/>
+                <a:cs typeface="+mn-cs"/>
+              </a:defRPr>
+            </a:lvl3pPr>
+            <a:lvl4pPr>
+              <a:defRPr>
+                <a:solidFill>
+                  <a:schemeClr val="dk1"/>
+                </a:solidFill>
+                <a:latin typeface="+mn-lt"/>
+                <a:ea typeface="+mn-ea"/>
+                <a:cs typeface="+mn-cs"/>
+              </a:defRPr>
+            </a:lvl4pPr>
+            <a:lvl5pPr>
+              <a:defRPr>
+                <a:solidFill>
+                  <a:schemeClr val="dk1"/>
+                </a:solidFill>
+                <a:latin typeface="+mn-lt"/>
+                <a:ea typeface="+mn-ea"/>
+                <a:cs typeface="+mn-cs"/>
+              </a:defRPr>
+            </a:lvl5pPr>
+            <a:lvl6pPr>
+              <a:defRPr>
+                <a:solidFill>
+                  <a:schemeClr val="dk1"/>
+                </a:solidFill>
+                <a:latin typeface="+mn-lt"/>
+                <a:ea typeface="+mn-ea"/>
+                <a:cs typeface="+mn-cs"/>
+              </a:defRPr>
+            </a:lvl6pPr>
+            <a:lvl7pPr>
+              <a:defRPr>
+                <a:solidFill>
+                  <a:schemeClr val="dk1"/>
+                </a:solidFill>
+                <a:latin typeface="+mn-lt"/>
+                <a:ea typeface="+mn-ea"/>
+                <a:cs typeface="+mn-cs"/>
+              </a:defRPr>
+            </a:lvl7pPr>
+            <a:lvl8pPr>
+              <a:defRPr>
+                <a:solidFill>
+                  <a:schemeClr val="dk1"/>
+                </a:solidFill>
+                <a:latin typeface="+mn-lt"/>
+                <a:ea typeface="+mn-ea"/>
+                <a:cs typeface="+mn-cs"/>
+              </a:defRPr>
+            </a:lvl8pPr>
+            <a:lvl9pPr>
+              <a:defRPr>
+                <a:solidFill>
+                  <a:schemeClr val="dk1"/>
+                </a:solidFill>
+                <a:latin typeface="+mn-lt"/>
+                <a:ea typeface="+mn-ea"/>
+                <a:cs typeface="+mn-cs"/>
+              </a:defRPr>
+            </a:lvl9pPr>
+          </a:lstStyle>
+          <a:p>
+            <a:r>
+              <a:rPr lang="hu-HU" sz="6600" dirty="0">
+                <a:solidFill>
+                  <a:schemeClr val="tx1"/>
+                </a:solidFill>
+                <a:latin typeface="Bahnschrift SemiBold" panose="020B0502040204020203" pitchFamily="34" charset="0"/>
+              </a:rPr>
+              <a:t>Témák</a:t>
+            </a:r>
+          </a:p>
+        </p:txBody>
+      </p:sp>
+      <p:sp>
+        <p:nvSpPr>
+          <p:cNvPr id="6" name="Cím 1">
+            <a:extLst>
+              <a:ext uri="{FF2B5EF4-FFF2-40B4-BE49-F238E27FC236}">
+                <a16:creationId xmlns:a16="http://schemas.microsoft.com/office/drawing/2014/main" id="{118CE0CA-DA3A-7E9E-4248-D410BB5AC7F8}"/>
+              </a:ext>
+            </a:extLst>
+          </p:cNvPr>
+          <p:cNvSpPr txBox="1">
+            <a:spLocks/>
+          </p:cNvSpPr>
+          <p:nvPr/>
+        </p:nvSpPr>
+        <p:spPr>
+          <a:xfrm>
+            <a:off x="4055012" y="-1192446"/>
+            <a:ext cx="4081976" cy="987083"/>
+          </a:xfrm>
+          <a:prstGeom prst="rect">
+            <a:avLst/>
+          </a:prstGeom>
+        </p:spPr>
+        <p:style>
+          <a:lnRef idx="2">
+            <a:schemeClr val="dk1"/>
+          </a:lnRef>
+          <a:fillRef idx="1">
+            <a:schemeClr val="lt1"/>
+          </a:fillRef>
+          <a:effectRef idx="0">
+            <a:schemeClr val="dk1"/>
+          </a:effectRef>
+          <a:fontRef idx="minor">
+            <a:schemeClr val="dk1"/>
+          </a:fontRef>
+        </p:style>
+        <p:txBody>
+          <a:bodyPr vert="horz" lIns="91440" tIns="45720" rIns="91440" bIns="45720" rtlCol="0" anchor="b">
+            <a:normAutofit fontScale="97500"/>
+          </a:bodyPr>
+          <a:lstStyle>
+            <a:lvl1pPr algn="ctr" defTabSz="914400" rtl="0" eaLnBrk="1" latinLnBrk="0" hangingPunct="1">
+              <a:lnSpc>
+                <a:spcPct val="90000"/>
+              </a:lnSpc>
+              <a:spcBef>
+                <a:spcPct val="0"/>
+              </a:spcBef>
+              <a:buNone/>
+              <a:defRPr sz="6000" kern="1200">
+                <a:solidFill>
+                  <a:schemeClr val="dk1"/>
+                </a:solidFill>
+                <a:latin typeface="+mn-lt"/>
+                <a:ea typeface="+mn-ea"/>
+                <a:cs typeface="+mn-cs"/>
+              </a:defRPr>
+            </a:lvl1pPr>
+            <a:lvl2pPr>
+              <a:defRPr>
+                <a:solidFill>
+                  <a:schemeClr val="dk1"/>
+                </a:solidFill>
+                <a:latin typeface="+mn-lt"/>
+                <a:ea typeface="+mn-ea"/>
+                <a:cs typeface="+mn-cs"/>
+              </a:defRPr>
+            </a:lvl2pPr>
+            <a:lvl3pPr>
+              <a:defRPr>
+                <a:solidFill>
+                  <a:schemeClr val="dk1"/>
+                </a:solidFill>
+                <a:latin typeface="+mn-lt"/>
+                <a:ea typeface="+mn-ea"/>
+                <a:cs typeface="+mn-cs"/>
+              </a:defRPr>
+            </a:lvl3pPr>
+            <a:lvl4pPr>
+              <a:defRPr>
+                <a:solidFill>
+                  <a:schemeClr val="dk1"/>
+                </a:solidFill>
+                <a:latin typeface="+mn-lt"/>
+                <a:ea typeface="+mn-ea"/>
+                <a:cs typeface="+mn-cs"/>
+              </a:defRPr>
+            </a:lvl4pPr>
+            <a:lvl5pPr>
+              <a:defRPr>
+                <a:solidFill>
+                  <a:schemeClr val="dk1"/>
+                </a:solidFill>
+                <a:latin typeface="+mn-lt"/>
+                <a:ea typeface="+mn-ea"/>
+                <a:cs typeface="+mn-cs"/>
+              </a:defRPr>
+            </a:lvl5pPr>
+            <a:lvl6pPr>
+              <a:defRPr>
+                <a:solidFill>
+                  <a:schemeClr val="dk1"/>
+                </a:solidFill>
+                <a:latin typeface="+mn-lt"/>
+                <a:ea typeface="+mn-ea"/>
+                <a:cs typeface="+mn-cs"/>
+              </a:defRPr>
+            </a:lvl6pPr>
+            <a:lvl7pPr>
+              <a:defRPr>
+                <a:solidFill>
+                  <a:schemeClr val="dk1"/>
+                </a:solidFill>
+                <a:latin typeface="+mn-lt"/>
+                <a:ea typeface="+mn-ea"/>
+                <a:cs typeface="+mn-cs"/>
+              </a:defRPr>
+            </a:lvl7pPr>
+            <a:lvl8pPr>
+              <a:defRPr>
+                <a:solidFill>
+                  <a:schemeClr val="dk1"/>
+                </a:solidFill>
+                <a:latin typeface="+mn-lt"/>
+                <a:ea typeface="+mn-ea"/>
+                <a:cs typeface="+mn-cs"/>
+              </a:defRPr>
+            </a:lvl8pPr>
+            <a:lvl9pPr>
+              <a:defRPr>
+                <a:solidFill>
+                  <a:schemeClr val="dk1"/>
+                </a:solidFill>
+                <a:latin typeface="+mn-lt"/>
+                <a:ea typeface="+mn-ea"/>
+                <a:cs typeface="+mn-cs"/>
+              </a:defRPr>
+            </a:lvl9pPr>
+          </a:lstStyle>
+          <a:p>
+            <a:r>
+              <a:rPr lang="hu-HU" sz="6600" dirty="0">
+                <a:solidFill>
+                  <a:schemeClr val="tx1"/>
+                </a:solidFill>
+                <a:latin typeface="Bahnschrift SemiBold" panose="020B0502040204020203" pitchFamily="34" charset="0"/>
+              </a:rPr>
+              <a:t>Nyelvek</a:t>
+            </a:r>
+          </a:p>
+        </p:txBody>
+      </p:sp>
+      <p:pic>
+        <p:nvPicPr>
+          <p:cNvPr id="2" name="Kép 1">
+            <a:extLst>
+              <a:ext uri="{FF2B5EF4-FFF2-40B4-BE49-F238E27FC236}">
+                <a16:creationId xmlns:a16="http://schemas.microsoft.com/office/drawing/2014/main" id="{F93C5880-158E-4E58-AA44-6509A95A8073}"/>
+              </a:ext>
+            </a:extLst>
+          </p:cNvPr>
+          <p:cNvPicPr>
+            <a:picLocks noChangeAspect="1"/>
+          </p:cNvPicPr>
+          <p:nvPr/>
+        </p:nvPicPr>
+        <p:blipFill>
+          <a:blip r:embed="rId3"/>
+          <a:stretch>
+            <a:fillRect/>
+          </a:stretch>
+        </p:blipFill>
+        <p:spPr>
+          <a:xfrm>
+            <a:off x="1997284" y="1815870"/>
+            <a:ext cx="8197431" cy="4538747"/>
+          </a:xfrm>
+          <a:prstGeom prst="rect">
+            <a:avLst/>
+          </a:prstGeom>
+        </p:spPr>
+      </p:pic>
+    </p:spTree>
+    <p:extLst>
+      <p:ext uri="{BB962C8B-B14F-4D97-AF65-F5344CB8AC3E}">
+        <p14:creationId xmlns:p14="http://schemas.microsoft.com/office/powerpoint/2010/main" val="1561382568"/>
+      </p:ext>
+    </p:extLst>
+  </p:cSld>
+  <p:clrMapOvr>
+    <a:masterClrMapping/>
+  </p:clrMapOvr>
+  <mc:AlternateContent xmlns:mc="http://schemas.openxmlformats.org/markup-compatibility/2006" xmlns:p159="http://schemas.microsoft.com/office/powerpoint/2015/09/main">
+    <mc:Choice Requires="p159">
+      <p:transition xmlns:p14="http://schemas.microsoft.com/office/powerpoint/2010/main" spd="slow" p14:dur="2000">
+        <p159:morph option="byObject"/>
+      </p:transition>
+    </mc:Choice>
+    <mc:Fallback xmlns="">
+      <p:transition spd="slow">
+        <p:fade/>
+      </p:transition>
+    </mc:Fallback>
+  </mc:AlternateContent>
+  <p:timing>
+    <p:tnLst>
+      <p:par>
+        <p:cTn id="1" dur="indefinite" restart="never" nodeType="tmRoot">
+          <p:childTnLst>
+            <p:seq concurrent="1" nextAc="seek">
+              <p:cTn id="2" dur="indefinite" nodeType="mainSeq">
+                <p:childTnLst>
+                  <p:par>
+                    <p:cTn id="3" fill="hold">
+                      <p:stCondLst>
+                        <p:cond delay="indefinite"/>
+                      </p:stCondLst>
+                      <p:childTnLst>
+                        <p:par>
+                          <p:cTn id="4" fill="hold">
+                            <p:stCondLst>
+                              <p:cond delay="0"/>
+                            </p:stCondLst>
+                            <p:childTnLst>
+                              <p:par>
+                                <p:cTn id="5" presetID="1" presetClass="entr" presetSubtype="0" fill="hold" nodeType="clickEffect">
+                                  <p:stCondLst>
+                                    <p:cond delay="0"/>
+                                  </p:stCondLst>
+                                  <p:childTnLst>
+                                    <p:set>
+                                      <p:cBhvr>
+                                        <p:cTn id="6" dur="1" fill="hold">
+                                          <p:stCondLst>
+                                            <p:cond delay="0"/>
+                                          </p:stCondLst>
+                                        </p:cTn>
+                                        <p:tgtEl>
+                                          <p:spTgt spid="2"/>
+                                        </p:tgtEl>
+                                        <p:attrNameLst>
+                                          <p:attrName>style.visibility</p:attrName>
+                                        </p:attrNameLst>
+                                      </p:cBhvr>
+                                      <p:to>
+                                        <p:strVal val="visible"/>
+                                      </p:to>
+                                    </p:set>
+                                  </p:childTnLst>
+                                </p:cTn>
+                              </p:par>
+                            </p:childTnLst>
+                          </p:cTn>
+                        </p:par>
+                      </p:childTnLst>
+                    </p:cTn>
+                  </p:par>
+                  <p:par>
+                    <p:cTn id="7" fill="hold">
+                      <p:stCondLst>
+                        <p:cond delay="indefinite"/>
+                      </p:stCondLst>
+                      <p:childTnLst>
+                        <p:par>
+                          <p:cTn id="8" fill="hold">
+                            <p:stCondLst>
+                              <p:cond delay="0"/>
+                            </p:stCondLst>
+                            <p:childTnLst>
+                              <p:par>
+                                <p:cTn id="9" presetID="10" presetClass="exit" presetSubtype="0" fill="hold" nodeType="clickEffect">
+                                  <p:stCondLst>
+                                    <p:cond delay="0"/>
+                                  </p:stCondLst>
+                                  <p:childTnLst>
+                                    <p:animEffect transition="out" filter="fade">
+                                      <p:cBhvr>
+                                        <p:cTn id="10" dur="500"/>
+                                        <p:tgtEl>
+                                          <p:spTgt spid="2"/>
+                                        </p:tgtEl>
+                                      </p:cBhvr>
+                                    </p:animEffect>
+                                    <p:set>
+                                      <p:cBhvr>
+                                        <p:cTn id="11" dur="1" fill="hold">
+                                          <p:stCondLst>
+                                            <p:cond delay="499"/>
+                                          </p:stCondLst>
+                                        </p:cTn>
+                                        <p:tgtEl>
+                                          <p:spTgt spid="2"/>
                                         </p:tgtEl>
                                         <p:attrNameLst>
                                           <p:attrName>style.visibility</p:attrName>
